--- a/a.pptx
+++ b/a.pptx
@@ -9071,9 +9071,10 @@
           <a:lstStyle/>
           <a:p>
             <a:r>
-              <a:rPr lang="en-IE" dirty="0"/>
-              <a:t>Any Questions ?</a:t>
-            </a:r>
+              <a:rPr lang="en-IE"/>
+              <a:t>Thanks !</a:t>
+            </a:r>
+            <a:endParaRPr lang="en-IE" dirty="0"/>
           </a:p>
         </p:txBody>
       </p:sp>

--- a/a.pptx
+++ b/a.pptx
@@ -9,10 +9,10 @@
     <p:sldId id="258" r:id="rId3"/>
     <p:sldId id="257" r:id="rId4"/>
     <p:sldId id="260" r:id="rId5"/>
-    <p:sldId id="263" r:id="rId6"/>
-    <p:sldId id="261" r:id="rId7"/>
-    <p:sldId id="259" r:id="rId8"/>
-    <p:sldId id="262" r:id="rId9"/>
+    <p:sldId id="259" r:id="rId6"/>
+    <p:sldId id="262" r:id="rId7"/>
+    <p:sldId id="263" r:id="rId8"/>
+    <p:sldId id="261" r:id="rId9"/>
     <p:sldId id="264" r:id="rId10"/>
   </p:sldIdLst>
   <p:sldSz cx="12192000" cy="6858000"/>
@@ -8270,7 +8270,7 @@
           <a:p>
             <a:r>
               <a:rPr lang="en-IE" dirty="0"/>
-              <a:t>Community Life</a:t>
+              <a:t>School &amp; diploma</a:t>
             </a:r>
           </a:p>
         </p:txBody>
@@ -8312,18 +8312,9 @@
           <a:p>
             <a:pPr algn="ctr"/>
             <a:r>
-              <a:rPr lang="fr-FR" dirty="0"/>
-              <a:t>High </a:t>
-            </a:r>
-            <a:r>
-              <a:rPr lang="fr-FR" dirty="0" err="1"/>
-              <a:t>school</a:t>
-            </a:r>
-            <a:r>
-              <a:rPr lang="fr-FR" dirty="0"/>
-              <a:t> association</a:t>
-            </a:r>
-            <a:endParaRPr lang="en-IE" dirty="0"/>
+              <a:rPr lang="en-IE" dirty="0"/>
+              <a:t>French Scientific Bac</a:t>
+            </a:r>
           </a:p>
         </p:txBody>
       </p:sp>
@@ -8364,10 +8355,9 @@
           <a:p>
             <a:pPr algn="ctr"/>
             <a:r>
-              <a:rPr lang="en-IE"/>
-              <a:t>2 years</a:t>
-            </a:r>
-            <a:endParaRPr lang="en-IE" dirty="0"/>
+              <a:rPr lang="en-IE" dirty="0"/>
+              <a:t>DIT business diploma</a:t>
+            </a:r>
           </a:p>
         </p:txBody>
       </p:sp>
@@ -8408,21 +8398,16 @@
           <a:p>
             <a:pPr algn="ctr"/>
             <a:r>
-              <a:rPr lang="fr-FR" dirty="0"/>
-              <a:t>Vice </a:t>
-            </a:r>
-            <a:r>
-              <a:rPr lang="fr-FR" dirty="0" err="1"/>
-              <a:t>president</a:t>
-            </a:r>
-            <a:endParaRPr lang="en-IE" dirty="0"/>
+              <a:rPr lang="en-IE" dirty="0"/>
+              <a:t>Master in Software Development </a:t>
+            </a:r>
           </a:p>
         </p:txBody>
       </p:sp>
     </p:spTree>
     <p:extLst>
       <p:ext uri="{BB962C8B-B14F-4D97-AF65-F5344CB8AC3E}">
-        <p14:creationId xmlns:p14="http://schemas.microsoft.com/office/powerpoint/2010/main" val="447194088"/>
+        <p14:creationId xmlns:p14="http://schemas.microsoft.com/office/powerpoint/2010/main" val="188866513"/>
       </p:ext>
     </p:extLst>
   </p:cSld>
@@ -8465,14 +8450,9 @@
           <a:lstStyle/>
           <a:p>
             <a:r>
-              <a:rPr lang="fr-FR" dirty="0" err="1"/>
-              <a:t>Personal</a:t>
-            </a:r>
-            <a:r>
-              <a:rPr lang="fr-FR" dirty="0"/>
-              <a:t> Hobbies</a:t>
-            </a:r>
-            <a:endParaRPr lang="en-IE" dirty="0"/>
+              <a:rPr lang="en-IE" dirty="0"/>
+              <a:t>Actually</a:t>
+            </a:r>
           </a:p>
         </p:txBody>
       </p:sp>
@@ -8484,7 +8464,7 @@
         </p:nvSpPr>
         <p:spPr>
           <a:xfrm>
-            <a:off x="3183922" y="2045044"/>
+            <a:off x="5317522" y="1951338"/>
             <a:ext cx="2784390" cy="829962"/>
           </a:xfrm>
           <a:prstGeom prst="roundRect">
@@ -8513,8 +8493,8 @@
           <a:p>
             <a:pPr algn="ctr"/>
             <a:r>
-              <a:rPr lang="fr-FR" dirty="0" err="1"/>
-              <a:t>Freediving</a:t>
+              <a:rPr lang="fr-FR" dirty="0"/>
+              <a:t>Sogilis</a:t>
             </a:r>
             <a:endParaRPr lang="en-IE" dirty="0"/>
           </a:p>
@@ -8528,7 +8508,7 @@
         </p:nvSpPr>
         <p:spPr>
           <a:xfrm>
-            <a:off x="7426409" y="4904148"/>
+            <a:off x="8101912" y="4022411"/>
             <a:ext cx="2784390" cy="829962"/>
           </a:xfrm>
           <a:prstGeom prst="roundRect">
@@ -8558,7 +8538,11 @@
             <a:pPr algn="ctr"/>
             <a:r>
               <a:rPr lang="fr-FR" dirty="0"/>
-              <a:t>Music</a:t>
+              <a:t>2 </a:t>
+            </a:r>
+            <a:r>
+              <a:rPr lang="fr-FR" dirty="0" err="1"/>
+              <a:t>years</a:t>
             </a:r>
             <a:endParaRPr lang="en-IE" dirty="0"/>
           </a:p>
@@ -8572,7 +8556,7 @@
         </p:nvSpPr>
         <p:spPr>
           <a:xfrm>
-            <a:off x="3661717" y="4194664"/>
+            <a:off x="2533132" y="4022411"/>
             <a:ext cx="2784390" cy="829962"/>
           </a:xfrm>
           <a:prstGeom prst="roundRect">
@@ -8602,51 +8586,11 @@
             <a:pPr algn="ctr"/>
             <a:r>
               <a:rPr lang="fr-FR" dirty="0" err="1"/>
-              <a:t>Hicking</a:t>
-            </a:r>
-            <a:endParaRPr lang="en-IE" dirty="0"/>
-          </a:p>
-        </p:txBody>
-      </p:sp>
-      <p:sp>
-        <p:nvSpPr>
-          <p:cNvPr id="7" name="Rectangle : coins arrondis 6"/>
-          <p:cNvSpPr/>
-          <p:nvPr/>
-        </p:nvSpPr>
-        <p:spPr>
-          <a:xfrm>
-            <a:off x="7644711" y="2460025"/>
-            <a:ext cx="2784390" cy="829962"/>
-          </a:xfrm>
-          <a:prstGeom prst="roundRect">
-            <a:avLst/>
-          </a:prstGeom>
-        </p:spPr>
-        <p:style>
-          <a:lnRef idx="2">
-            <a:schemeClr val="accent1">
-              <a:shade val="50000"/>
-            </a:schemeClr>
-          </a:lnRef>
-          <a:fillRef idx="1">
-            <a:schemeClr val="accent1"/>
-          </a:fillRef>
-          <a:effectRef idx="0">
-            <a:schemeClr val="accent1"/>
-          </a:effectRef>
-          <a:fontRef idx="minor">
-            <a:schemeClr val="lt1"/>
-          </a:fontRef>
-        </p:style>
-        <p:txBody>
-          <a:bodyPr rtlCol="0" anchor="ctr"/>
-          <a:lstStyle/>
-          <a:p>
-            <a:pPr algn="ctr"/>
-            <a:r>
-              <a:rPr lang="fr-FR" dirty="0" err="1"/>
-              <a:t>Photography</a:t>
+              <a:t>Robotic</a:t>
+            </a:r>
+            <a:r>
+              <a:rPr lang="fr-FR" dirty="0"/>
+              <a:t> Team Leader</a:t>
             </a:r>
             <a:endParaRPr lang="en-IE" dirty="0"/>
           </a:p>
@@ -8655,7 +8599,7 @@
     </p:spTree>
     <p:extLst>
       <p:ext uri="{BB962C8B-B14F-4D97-AF65-F5344CB8AC3E}">
-        <p14:creationId xmlns:p14="http://schemas.microsoft.com/office/powerpoint/2010/main" val="999882718"/>
+        <p14:creationId xmlns:p14="http://schemas.microsoft.com/office/powerpoint/2010/main" val="2482844061"/>
       </p:ext>
     </p:extLst>
   </p:cSld>
@@ -8699,7 +8643,7 @@
           <a:p>
             <a:r>
               <a:rPr lang="en-IE" dirty="0"/>
-              <a:t>School &amp; diploma</a:t>
+              <a:t>Community Life</a:t>
             </a:r>
           </a:p>
         </p:txBody>
@@ -8741,9 +8685,18 @@
           <a:p>
             <a:pPr algn="ctr"/>
             <a:r>
-              <a:rPr lang="en-IE" dirty="0"/>
-              <a:t>French Scientific Bac</a:t>
-            </a:r>
+              <a:rPr lang="fr-FR" dirty="0"/>
+              <a:t>High </a:t>
+            </a:r>
+            <a:r>
+              <a:rPr lang="fr-FR" dirty="0" err="1"/>
+              <a:t>school</a:t>
+            </a:r>
+            <a:r>
+              <a:rPr lang="fr-FR" dirty="0"/>
+              <a:t> association</a:t>
+            </a:r>
+            <a:endParaRPr lang="en-IE" dirty="0"/>
           </a:p>
         </p:txBody>
       </p:sp>
@@ -8784,9 +8737,10 @@
           <a:p>
             <a:pPr algn="ctr"/>
             <a:r>
-              <a:rPr lang="en-IE" dirty="0"/>
-              <a:t>DIT business diploma</a:t>
-            </a:r>
+              <a:rPr lang="en-IE"/>
+              <a:t>2 years</a:t>
+            </a:r>
+            <a:endParaRPr lang="en-IE" dirty="0"/>
           </a:p>
         </p:txBody>
       </p:sp>
@@ -8827,16 +8781,21 @@
           <a:p>
             <a:pPr algn="ctr"/>
             <a:r>
-              <a:rPr lang="en-IE" dirty="0"/>
-              <a:t>Master in Software Development </a:t>
-            </a:r>
+              <a:rPr lang="fr-FR" dirty="0"/>
+              <a:t>Vice </a:t>
+            </a:r>
+            <a:r>
+              <a:rPr lang="fr-FR" dirty="0" err="1"/>
+              <a:t>president</a:t>
+            </a:r>
+            <a:endParaRPr lang="en-IE" dirty="0"/>
           </a:p>
         </p:txBody>
       </p:sp>
     </p:spTree>
     <p:extLst>
       <p:ext uri="{BB962C8B-B14F-4D97-AF65-F5344CB8AC3E}">
-        <p14:creationId xmlns:p14="http://schemas.microsoft.com/office/powerpoint/2010/main" val="188866513"/>
+        <p14:creationId xmlns:p14="http://schemas.microsoft.com/office/powerpoint/2010/main" val="447194088"/>
       </p:ext>
     </p:extLst>
   </p:cSld>
@@ -8879,9 +8838,14 @@
           <a:lstStyle/>
           <a:p>
             <a:r>
-              <a:rPr lang="en-IE" dirty="0"/>
-              <a:t>Actually</a:t>
-            </a:r>
+              <a:rPr lang="fr-FR" dirty="0" err="1"/>
+              <a:t>Personal</a:t>
+            </a:r>
+            <a:r>
+              <a:rPr lang="fr-FR" dirty="0"/>
+              <a:t> Hobbies</a:t>
+            </a:r>
+            <a:endParaRPr lang="en-IE" dirty="0"/>
           </a:p>
         </p:txBody>
       </p:sp>
@@ -8893,7 +8857,7 @@
         </p:nvSpPr>
         <p:spPr>
           <a:xfrm>
-            <a:off x="5317522" y="1951338"/>
+            <a:off x="3183922" y="2045044"/>
             <a:ext cx="2784390" cy="829962"/>
           </a:xfrm>
           <a:prstGeom prst="roundRect">
@@ -8922,8 +8886,8 @@
           <a:p>
             <a:pPr algn="ctr"/>
             <a:r>
-              <a:rPr lang="fr-FR" dirty="0"/>
-              <a:t>Sogilis</a:t>
+              <a:rPr lang="fr-FR" dirty="0" err="1"/>
+              <a:t>Freediving</a:t>
             </a:r>
             <a:endParaRPr lang="en-IE" dirty="0"/>
           </a:p>
@@ -8937,7 +8901,7 @@
         </p:nvSpPr>
         <p:spPr>
           <a:xfrm>
-            <a:off x="8101912" y="4022411"/>
+            <a:off x="7426409" y="4904148"/>
             <a:ext cx="2784390" cy="829962"/>
           </a:xfrm>
           <a:prstGeom prst="roundRect">
@@ -8967,11 +8931,7 @@
             <a:pPr algn="ctr"/>
             <a:r>
               <a:rPr lang="fr-FR" dirty="0"/>
-              <a:t>2 </a:t>
-            </a:r>
-            <a:r>
-              <a:rPr lang="fr-FR" dirty="0" err="1"/>
-              <a:t>years</a:t>
+              <a:t>Music</a:t>
             </a:r>
             <a:endParaRPr lang="en-IE" dirty="0"/>
           </a:p>
@@ -8985,7 +8945,7 @@
         </p:nvSpPr>
         <p:spPr>
           <a:xfrm>
-            <a:off x="2533132" y="4022411"/>
+            <a:off x="3661717" y="4194664"/>
             <a:ext cx="2784390" cy="829962"/>
           </a:xfrm>
           <a:prstGeom prst="roundRect">
@@ -9015,11 +8975,51 @@
             <a:pPr algn="ctr"/>
             <a:r>
               <a:rPr lang="fr-FR" dirty="0" err="1"/>
-              <a:t>Robotic</a:t>
-            </a:r>
-            <a:r>
-              <a:rPr lang="fr-FR" dirty="0"/>
-              <a:t> Team Leader</a:t>
+              <a:t>Hicking</a:t>
+            </a:r>
+            <a:endParaRPr lang="en-IE" dirty="0"/>
+          </a:p>
+        </p:txBody>
+      </p:sp>
+      <p:sp>
+        <p:nvSpPr>
+          <p:cNvPr id="7" name="Rectangle : coins arrondis 6"/>
+          <p:cNvSpPr/>
+          <p:nvPr/>
+        </p:nvSpPr>
+        <p:spPr>
+          <a:xfrm>
+            <a:off x="7644711" y="2460025"/>
+            <a:ext cx="2784390" cy="829962"/>
+          </a:xfrm>
+          <a:prstGeom prst="roundRect">
+            <a:avLst/>
+          </a:prstGeom>
+        </p:spPr>
+        <p:style>
+          <a:lnRef idx="2">
+            <a:schemeClr val="accent1">
+              <a:shade val="50000"/>
+            </a:schemeClr>
+          </a:lnRef>
+          <a:fillRef idx="1">
+            <a:schemeClr val="accent1"/>
+          </a:fillRef>
+          <a:effectRef idx="0">
+            <a:schemeClr val="accent1"/>
+          </a:effectRef>
+          <a:fontRef idx="minor">
+            <a:schemeClr val="lt1"/>
+          </a:fontRef>
+        </p:style>
+        <p:txBody>
+          <a:bodyPr rtlCol="0" anchor="ctr"/>
+          <a:lstStyle/>
+          <a:p>
+            <a:pPr algn="ctr"/>
+            <a:r>
+              <a:rPr lang="fr-FR" dirty="0" err="1"/>
+              <a:t>Photography</a:t>
             </a:r>
             <a:endParaRPr lang="en-IE" dirty="0"/>
           </a:p>
@@ -9028,7 +9028,7 @@
     </p:spTree>
     <p:extLst>
       <p:ext uri="{BB962C8B-B14F-4D97-AF65-F5344CB8AC3E}">
-        <p14:creationId xmlns:p14="http://schemas.microsoft.com/office/powerpoint/2010/main" val="2482844061"/>
+        <p14:creationId xmlns:p14="http://schemas.microsoft.com/office/powerpoint/2010/main" val="999882718"/>
       </p:ext>
     </p:extLst>
   </p:cSld>
